--- a/images/learning_from_sparse.pptx
+++ b/images/learning_from_sparse.pptx
@@ -259,7 +259,7 @@
           <a:p>
             <a:fld id="{F55FCE93-59EC-3141-B5F9-BA2FF6AA285B}" type="datetimeFigureOut">
               <a:rPr lang="en-US" smtClean="0"/>
-              <a:t>7/7/20</a:t>
+              <a:t>10/28/20</a:t>
             </a:fld>
             <a:endParaRPr lang="en-US"/>
           </a:p>
@@ -457,7 +457,7 @@
           <a:p>
             <a:fld id="{F55FCE93-59EC-3141-B5F9-BA2FF6AA285B}" type="datetimeFigureOut">
               <a:rPr lang="en-US" smtClean="0"/>
-              <a:t>7/7/20</a:t>
+              <a:t>10/28/20</a:t>
             </a:fld>
             <a:endParaRPr lang="en-US"/>
           </a:p>
@@ -665,7 +665,7 @@
           <a:p>
             <a:fld id="{F55FCE93-59EC-3141-B5F9-BA2FF6AA285B}" type="datetimeFigureOut">
               <a:rPr lang="en-US" smtClean="0"/>
-              <a:t>7/7/20</a:t>
+              <a:t>10/28/20</a:t>
             </a:fld>
             <a:endParaRPr lang="en-US"/>
           </a:p>
@@ -863,7 +863,7 @@
           <a:p>
             <a:fld id="{F55FCE93-59EC-3141-B5F9-BA2FF6AA285B}" type="datetimeFigureOut">
               <a:rPr lang="en-US" smtClean="0"/>
-              <a:t>7/7/20</a:t>
+              <a:t>10/28/20</a:t>
             </a:fld>
             <a:endParaRPr lang="en-US"/>
           </a:p>
@@ -1138,7 +1138,7 @@
           <a:p>
             <a:fld id="{F55FCE93-59EC-3141-B5F9-BA2FF6AA285B}" type="datetimeFigureOut">
               <a:rPr lang="en-US" smtClean="0"/>
-              <a:t>7/7/20</a:t>
+              <a:t>10/28/20</a:t>
             </a:fld>
             <a:endParaRPr lang="en-US"/>
           </a:p>
@@ -1403,7 +1403,7 @@
           <a:p>
             <a:fld id="{F55FCE93-59EC-3141-B5F9-BA2FF6AA285B}" type="datetimeFigureOut">
               <a:rPr lang="en-US" smtClean="0"/>
-              <a:t>7/7/20</a:t>
+              <a:t>10/28/20</a:t>
             </a:fld>
             <a:endParaRPr lang="en-US"/>
           </a:p>
@@ -1815,7 +1815,7 @@
           <a:p>
             <a:fld id="{F55FCE93-59EC-3141-B5F9-BA2FF6AA285B}" type="datetimeFigureOut">
               <a:rPr lang="en-US" smtClean="0"/>
-              <a:t>7/7/20</a:t>
+              <a:t>10/28/20</a:t>
             </a:fld>
             <a:endParaRPr lang="en-US"/>
           </a:p>
@@ -1956,7 +1956,7 @@
           <a:p>
             <a:fld id="{F55FCE93-59EC-3141-B5F9-BA2FF6AA285B}" type="datetimeFigureOut">
               <a:rPr lang="en-US" smtClean="0"/>
-              <a:t>7/7/20</a:t>
+              <a:t>10/28/20</a:t>
             </a:fld>
             <a:endParaRPr lang="en-US"/>
           </a:p>
@@ -2069,7 +2069,7 @@
           <a:p>
             <a:fld id="{F55FCE93-59EC-3141-B5F9-BA2FF6AA285B}" type="datetimeFigureOut">
               <a:rPr lang="en-US" smtClean="0"/>
-              <a:t>7/7/20</a:t>
+              <a:t>10/28/20</a:t>
             </a:fld>
             <a:endParaRPr lang="en-US"/>
           </a:p>
@@ -2380,7 +2380,7 @@
           <a:p>
             <a:fld id="{F55FCE93-59EC-3141-B5F9-BA2FF6AA285B}" type="datetimeFigureOut">
               <a:rPr lang="en-US" smtClean="0"/>
-              <a:t>7/7/20</a:t>
+              <a:t>10/28/20</a:t>
             </a:fld>
             <a:endParaRPr lang="en-US"/>
           </a:p>
@@ -2668,7 +2668,7 @@
           <a:p>
             <a:fld id="{F55FCE93-59EC-3141-B5F9-BA2FF6AA285B}" type="datetimeFigureOut">
               <a:rPr lang="en-US" smtClean="0"/>
-              <a:t>7/7/20</a:t>
+              <a:t>10/28/20</a:t>
             </a:fld>
             <a:endParaRPr lang="en-US"/>
           </a:p>
@@ -2909,7 +2909,7 @@
           <a:p>
             <a:fld id="{F55FCE93-59EC-3141-B5F9-BA2FF6AA285B}" type="datetimeFigureOut">
               <a:rPr lang="en-US" smtClean="0"/>
-              <a:t>7/7/20</a:t>
+              <a:t>10/28/20</a:t>
             </a:fld>
             <a:endParaRPr lang="en-US"/>
           </a:p>
@@ -3365,8 +3365,8 @@
         </p:blipFill>
         <p:spPr>
           <a:xfrm>
-            <a:off x="2247803" y="4158971"/>
-            <a:ext cx="2161528" cy="1844786"/>
+            <a:off x="1685882" y="3707660"/>
+            <a:ext cx="3123658" cy="2665929"/>
           </a:xfrm>
           <a:prstGeom prst="rect">
             <a:avLst/>
@@ -3443,8 +3443,8 @@
         </p:nvSpPr>
         <p:spPr>
           <a:xfrm>
-            <a:off x="7093919" y="4837595"/>
-            <a:ext cx="2315121" cy="646331"/>
+            <a:off x="7168331" y="4895331"/>
+            <a:ext cx="2948243" cy="830997"/>
           </a:xfrm>
           <a:prstGeom prst="rect">
             <a:avLst/>
@@ -3458,7 +3458,7 @@
           <a:lstStyle/>
           <a:p>
             <a:r>
-              <a:rPr lang="en-US" altLang="zh-CN" sz="3600" dirty="0">
+              <a:rPr lang="en-US" altLang="zh-CN" sz="4800" dirty="0">
                 <a:solidFill>
                   <a:srgbClr val="FF0000"/>
                 </a:solidFill>
@@ -3466,7 +3466,7 @@
               <a:t>waypoint</a:t>
             </a:r>
             <a:r>
-              <a:rPr lang="zh-CN" altLang="en-US" sz="3600" dirty="0">
+              <a:rPr lang="zh-CN" altLang="en-US" sz="4800" dirty="0">
                 <a:solidFill>
                   <a:srgbClr val="FF0000"/>
                 </a:solidFill>
@@ -3474,14 +3474,14 @@
               <a:t> </a:t>
             </a:r>
             <a:r>
-              <a:rPr lang="en-US" altLang="zh-CN" sz="3600" dirty="0">
+              <a:rPr lang="en-US" altLang="zh-CN" sz="4800" dirty="0">
                 <a:solidFill>
                   <a:srgbClr val="FF0000"/>
                 </a:solidFill>
               </a:rPr>
               <a:t>2</a:t>
             </a:r>
-            <a:endParaRPr lang="en-US" sz="3600" dirty="0">
+            <a:endParaRPr lang="en-US" sz="4800" dirty="0">
               <a:solidFill>
                 <a:srgbClr val="FF0000"/>
               </a:solidFill>
@@ -3504,7 +3504,7 @@
         <p:spPr>
           <a:xfrm>
             <a:off x="4267200" y="4290060"/>
-            <a:ext cx="2021236" cy="1083979"/>
+            <a:ext cx="2357934" cy="1083979"/>
           </a:xfrm>
           <a:prstGeom prst="ellipse">
             <a:avLst/>
@@ -3613,8 +3613,8 @@
         </p:nvSpPr>
         <p:spPr>
           <a:xfrm>
-            <a:off x="2773371" y="3206531"/>
-            <a:ext cx="2252091" cy="646331"/>
+            <a:off x="2406639" y="2988539"/>
+            <a:ext cx="2909771" cy="830997"/>
           </a:xfrm>
           <a:prstGeom prst="rect">
             <a:avLst/>
@@ -3628,7 +3628,7 @@
           <a:lstStyle/>
           <a:p>
             <a:r>
-              <a:rPr lang="en-US" altLang="zh-CN" sz="3600" dirty="0">
+              <a:rPr lang="en-US" altLang="zh-CN" sz="4800" dirty="0">
                 <a:solidFill>
                   <a:srgbClr val="FF0000"/>
                 </a:solidFill>
@@ -3636,7 +3636,7 @@
               <a:t>waypoint</a:t>
             </a:r>
             <a:r>
-              <a:rPr lang="zh-CN" altLang="en-US" sz="3600" dirty="0">
+              <a:rPr lang="zh-CN" altLang="en-US" sz="4400" dirty="0">
                 <a:solidFill>
                   <a:srgbClr val="FF0000"/>
                 </a:solidFill>
@@ -3644,14 +3644,14 @@
               <a:t> </a:t>
             </a:r>
             <a:r>
-              <a:rPr lang="en-US" altLang="zh-CN" sz="3600" dirty="0">
+              <a:rPr lang="en-US" altLang="zh-CN" sz="4400" dirty="0">
                 <a:solidFill>
                   <a:srgbClr val="FF0000"/>
                 </a:solidFill>
               </a:rPr>
               <a:t>1</a:t>
             </a:r>
-            <a:endParaRPr lang="en-US" sz="3600" dirty="0">
+            <a:endParaRPr lang="en-US" sz="4400" dirty="0">
               <a:solidFill>
                 <a:srgbClr val="FF0000"/>
               </a:solidFill>
@@ -3729,8 +3729,8 @@
         </p:nvSpPr>
         <p:spPr>
           <a:xfrm>
-            <a:off x="8871504" y="3458503"/>
-            <a:ext cx="2252091" cy="646331"/>
+            <a:off x="8642452" y="3334685"/>
+            <a:ext cx="2948243" cy="830997"/>
           </a:xfrm>
           <a:prstGeom prst="rect">
             <a:avLst/>
@@ -3744,7 +3744,7 @@
           <a:lstStyle/>
           <a:p>
             <a:r>
-              <a:rPr lang="en-US" altLang="zh-CN" sz="3600" dirty="0">
+              <a:rPr lang="en-US" altLang="zh-CN" sz="4800" dirty="0">
                 <a:solidFill>
                   <a:srgbClr val="FF0000"/>
                 </a:solidFill>
@@ -3752,7 +3752,7 @@
               <a:t>waypoint</a:t>
             </a:r>
             <a:r>
-              <a:rPr lang="zh-CN" altLang="en-US" sz="3600" dirty="0">
+              <a:rPr lang="zh-CN" altLang="en-US" sz="4800" dirty="0">
                 <a:solidFill>
                   <a:srgbClr val="FF0000"/>
                 </a:solidFill>
@@ -3760,14 +3760,14 @@
               <a:t> </a:t>
             </a:r>
             <a:r>
-              <a:rPr lang="en-US" altLang="zh-CN" sz="3600" dirty="0">
+              <a:rPr lang="en-US" altLang="zh-CN" sz="4800" dirty="0">
                 <a:solidFill>
                   <a:srgbClr val="FF0000"/>
                 </a:solidFill>
               </a:rPr>
               <a:t>4</a:t>
             </a:r>
-            <a:endParaRPr lang="en-US" sz="3600" dirty="0">
+            <a:endParaRPr lang="en-US" sz="4800" dirty="0">
               <a:solidFill>
                 <a:srgbClr val="FF0000"/>
               </a:solidFill>
@@ -3845,8 +3845,8 @@
         </p:nvSpPr>
         <p:spPr>
           <a:xfrm>
-            <a:off x="5219177" y="1252524"/>
-            <a:ext cx="2252091" cy="646331"/>
+            <a:off x="4532705" y="1178329"/>
+            <a:ext cx="2909771" cy="830997"/>
           </a:xfrm>
           <a:prstGeom prst="rect">
             <a:avLst/>
@@ -3860,7 +3860,7 @@
           <a:lstStyle/>
           <a:p>
             <a:r>
-              <a:rPr lang="en-US" altLang="zh-CN" sz="3600" dirty="0">
+              <a:rPr lang="en-US" altLang="zh-CN" sz="4800" dirty="0">
                 <a:solidFill>
                   <a:srgbClr val="FF0000"/>
                 </a:solidFill>
@@ -3868,7 +3868,7 @@
               <a:t>waypoint</a:t>
             </a:r>
             <a:r>
-              <a:rPr lang="zh-CN" altLang="en-US" sz="3600" dirty="0">
+              <a:rPr lang="zh-CN" altLang="en-US" sz="4400" dirty="0">
                 <a:solidFill>
                   <a:srgbClr val="FF0000"/>
                 </a:solidFill>
@@ -3876,14 +3876,14 @@
               <a:t> </a:t>
             </a:r>
             <a:r>
-              <a:rPr lang="en-US" altLang="zh-CN" sz="3600" dirty="0">
+              <a:rPr lang="en-US" altLang="zh-CN" sz="4400" dirty="0">
                 <a:solidFill>
                   <a:srgbClr val="FF0000"/>
                 </a:solidFill>
               </a:rPr>
               <a:t>3</a:t>
             </a:r>
-            <a:endParaRPr lang="en-US" sz="3600" dirty="0">
+            <a:endParaRPr lang="en-US" sz="4400" dirty="0">
               <a:solidFill>
                 <a:srgbClr val="FF0000"/>
               </a:solidFill>
@@ -3907,8 +3907,8 @@
         </p:nvSpPr>
         <p:spPr>
           <a:xfrm>
-            <a:off x="9997673" y="661512"/>
-            <a:ext cx="541348" cy="548640"/>
+            <a:off x="9997673" y="561291"/>
+            <a:ext cx="768907" cy="779264"/>
           </a:xfrm>
           <a:prstGeom prst="star5">
             <a:avLst/>
@@ -3967,7 +3967,7 @@
         <p:spPr>
           <a:xfrm>
             <a:off x="4413392" y="4496589"/>
-            <a:ext cx="1821909" cy="584775"/>
+            <a:ext cx="2030620" cy="646331"/>
           </a:xfrm>
           <a:prstGeom prst="rect">
             <a:avLst/>
@@ -3981,10 +3981,10 @@
           <a:lstStyle/>
           <a:p>
             <a:r>
-              <a:rPr lang="en-US" altLang="zh-CN" sz="3200" b="1" dirty="0"/>
+              <a:rPr lang="en-US" altLang="zh-CN" sz="3600" b="1" dirty="0"/>
               <a:t>Obstacles</a:t>
             </a:r>
-            <a:endParaRPr lang="en-US" sz="3200" b="1" dirty="0"/>
+            <a:endParaRPr lang="en-US" sz="3600" b="1" dirty="0"/>
           </a:p>
         </p:txBody>
       </p:sp>
@@ -4056,8 +4056,8 @@
         </p:nvSpPr>
         <p:spPr>
           <a:xfrm>
-            <a:off x="6288436" y="2821970"/>
-            <a:ext cx="1821909" cy="584775"/>
+            <a:off x="6153021" y="2847691"/>
+            <a:ext cx="2030620" cy="646331"/>
           </a:xfrm>
           <a:prstGeom prst="rect">
             <a:avLst/>
@@ -4071,10 +4071,10 @@
           <a:lstStyle/>
           <a:p>
             <a:r>
-              <a:rPr lang="en-US" altLang="zh-CN" sz="3200" b="1" dirty="0"/>
+              <a:rPr lang="en-US" altLang="zh-CN" sz="3600" b="1" dirty="0"/>
               <a:t>Obstacles</a:t>
             </a:r>
-            <a:endParaRPr lang="en-US" sz="2800" b="1" dirty="0"/>
+            <a:endParaRPr lang="en-US" sz="3600" b="1" dirty="0"/>
           </a:p>
         </p:txBody>
       </p:sp>
@@ -4092,8 +4092,8 @@
         </p:nvSpPr>
         <p:spPr>
           <a:xfrm>
-            <a:off x="8871505" y="1429257"/>
-            <a:ext cx="1920320" cy="1309787"/>
+            <a:off x="8871504" y="1429257"/>
+            <a:ext cx="2233057" cy="1309787"/>
           </a:xfrm>
           <a:prstGeom prst="ellipse">
             <a:avLst/>
@@ -4146,8 +4146,8 @@
         </p:nvSpPr>
         <p:spPr>
           <a:xfrm>
-            <a:off x="8965421" y="1761270"/>
-            <a:ext cx="1821909" cy="584775"/>
+            <a:off x="8982363" y="1705379"/>
+            <a:ext cx="2030620" cy="646331"/>
           </a:xfrm>
           <a:prstGeom prst="rect">
             <a:avLst/>
@@ -4161,10 +4161,10 @@
           <a:lstStyle/>
           <a:p>
             <a:r>
-              <a:rPr lang="en-US" altLang="zh-CN" sz="3200" b="1" dirty="0"/>
+              <a:rPr lang="en-US" altLang="zh-CN" sz="3600" b="1" dirty="0"/>
               <a:t>Obstacles</a:t>
             </a:r>
-            <a:endParaRPr lang="en-US" sz="2800" b="1" dirty="0"/>
+            <a:endParaRPr lang="en-US" sz="3600" b="1" dirty="0"/>
           </a:p>
         </p:txBody>
       </p:sp>
@@ -4257,7 +4257,7 @@
             </a:pathLst>
           </a:custGeom>
           <a:noFill/>
-          <a:ln w="76200">
+          <a:ln w="88900">
             <a:solidFill>
               <a:srgbClr val="0070C0"/>
             </a:solidFill>
@@ -4289,6 +4289,42 @@
                 <a:srgbClr val="0070C0"/>
               </a:solidFill>
             </a:endParaRPr>
+          </a:p>
+        </p:txBody>
+      </p:sp>
+      <p:sp>
+        <p:nvSpPr>
+          <p:cNvPr id="3" name="TextBox 2">
+            <a:extLst>
+              <a:ext uri="{FF2B5EF4-FFF2-40B4-BE49-F238E27FC236}">
+                <a16:creationId xmlns:a16="http://schemas.microsoft.com/office/drawing/2014/main" id="{66E984FE-17E8-F242-B278-87614FF883E4}"/>
+              </a:ext>
+            </a:extLst>
+          </p:cNvPr>
+          <p:cNvSpPr txBox="1"/>
+          <p:nvPr/>
+        </p:nvSpPr>
+        <p:spPr>
+          <a:xfrm>
+            <a:off x="10331546" y="65871"/>
+            <a:ext cx="1362874" cy="830997"/>
+          </a:xfrm>
+          <a:prstGeom prst="rect">
+            <a:avLst/>
+          </a:prstGeom>
+          <a:noFill/>
+        </p:spPr>
+        <p:txBody>
+          <a:bodyPr wrap="none" rtlCol="0">
+            <a:spAutoFit/>
+          </a:bodyPr>
+          <a:lstStyle/>
+          <a:p>
+            <a:r>
+              <a:rPr lang="en-US" altLang="zh-CN" sz="4800" b="1" dirty="0"/>
+              <a:t>Goal</a:t>
+            </a:r>
+            <a:endParaRPr lang="en-US" sz="4000" b="1" dirty="0"/>
           </a:p>
         </p:txBody>
       </p:sp>

--- a/images/learning_from_sparse.pptx
+++ b/images/learning_from_sparse.pptx
@@ -259,7 +259,7 @@
           <a:p>
             <a:fld id="{F55FCE93-59EC-3141-B5F9-BA2FF6AA285B}" type="datetimeFigureOut">
               <a:rPr lang="en-US" smtClean="0"/>
-              <a:t>10/28/20</a:t>
+              <a:t>12/1/20</a:t>
             </a:fld>
             <a:endParaRPr lang="en-US"/>
           </a:p>
@@ -457,7 +457,7 @@
           <a:p>
             <a:fld id="{F55FCE93-59EC-3141-B5F9-BA2FF6AA285B}" type="datetimeFigureOut">
               <a:rPr lang="en-US" smtClean="0"/>
-              <a:t>10/28/20</a:t>
+              <a:t>12/1/20</a:t>
             </a:fld>
             <a:endParaRPr lang="en-US"/>
           </a:p>
@@ -665,7 +665,7 @@
           <a:p>
             <a:fld id="{F55FCE93-59EC-3141-B5F9-BA2FF6AA285B}" type="datetimeFigureOut">
               <a:rPr lang="en-US" smtClean="0"/>
-              <a:t>10/28/20</a:t>
+              <a:t>12/1/20</a:t>
             </a:fld>
             <a:endParaRPr lang="en-US"/>
           </a:p>
@@ -863,7 +863,7 @@
           <a:p>
             <a:fld id="{F55FCE93-59EC-3141-B5F9-BA2FF6AA285B}" type="datetimeFigureOut">
               <a:rPr lang="en-US" smtClean="0"/>
-              <a:t>10/28/20</a:t>
+              <a:t>12/1/20</a:t>
             </a:fld>
             <a:endParaRPr lang="en-US"/>
           </a:p>
@@ -1138,7 +1138,7 @@
           <a:p>
             <a:fld id="{F55FCE93-59EC-3141-B5F9-BA2FF6AA285B}" type="datetimeFigureOut">
               <a:rPr lang="en-US" smtClean="0"/>
-              <a:t>10/28/20</a:t>
+              <a:t>12/1/20</a:t>
             </a:fld>
             <a:endParaRPr lang="en-US"/>
           </a:p>
@@ -1403,7 +1403,7 @@
           <a:p>
             <a:fld id="{F55FCE93-59EC-3141-B5F9-BA2FF6AA285B}" type="datetimeFigureOut">
               <a:rPr lang="en-US" smtClean="0"/>
-              <a:t>10/28/20</a:t>
+              <a:t>12/1/20</a:t>
             </a:fld>
             <a:endParaRPr lang="en-US"/>
           </a:p>
@@ -1815,7 +1815,7 @@
           <a:p>
             <a:fld id="{F55FCE93-59EC-3141-B5F9-BA2FF6AA285B}" type="datetimeFigureOut">
               <a:rPr lang="en-US" smtClean="0"/>
-              <a:t>10/28/20</a:t>
+              <a:t>12/1/20</a:t>
             </a:fld>
             <a:endParaRPr lang="en-US"/>
           </a:p>
@@ -1956,7 +1956,7 @@
           <a:p>
             <a:fld id="{F55FCE93-59EC-3141-B5F9-BA2FF6AA285B}" type="datetimeFigureOut">
               <a:rPr lang="en-US" smtClean="0"/>
-              <a:t>10/28/20</a:t>
+              <a:t>12/1/20</a:t>
             </a:fld>
             <a:endParaRPr lang="en-US"/>
           </a:p>
@@ -2069,7 +2069,7 @@
           <a:p>
             <a:fld id="{F55FCE93-59EC-3141-B5F9-BA2FF6AA285B}" type="datetimeFigureOut">
               <a:rPr lang="en-US" smtClean="0"/>
-              <a:t>10/28/20</a:t>
+              <a:t>12/1/20</a:t>
             </a:fld>
             <a:endParaRPr lang="en-US"/>
           </a:p>
@@ -2380,7 +2380,7 @@
           <a:p>
             <a:fld id="{F55FCE93-59EC-3141-B5F9-BA2FF6AA285B}" type="datetimeFigureOut">
               <a:rPr lang="en-US" smtClean="0"/>
-              <a:t>10/28/20</a:t>
+              <a:t>12/1/20</a:t>
             </a:fld>
             <a:endParaRPr lang="en-US"/>
           </a:p>
@@ -2668,7 +2668,7 @@
           <a:p>
             <a:fld id="{F55FCE93-59EC-3141-B5F9-BA2FF6AA285B}" type="datetimeFigureOut">
               <a:rPr lang="en-US" smtClean="0"/>
-              <a:t>10/28/20</a:t>
+              <a:t>12/1/20</a:t>
             </a:fld>
             <a:endParaRPr lang="en-US"/>
           </a:p>
@@ -2909,7 +2909,7 @@
           <a:p>
             <a:fld id="{F55FCE93-59EC-3141-B5F9-BA2FF6AA285B}" type="datetimeFigureOut">
               <a:rPr lang="en-US" smtClean="0"/>
-              <a:t>10/28/20</a:t>
+              <a:t>12/1/20</a:t>
             </a:fld>
             <a:endParaRPr lang="en-US"/>
           </a:p>
@@ -3765,7 +3765,7 @@
                   <a:srgbClr val="FF0000"/>
                 </a:solidFill>
               </a:rPr>
-              <a:t>4</a:t>
+              <a:t>3</a:t>
             </a:r>
             <a:endParaRPr lang="en-US" sz="4800" dirty="0">
               <a:solidFill>
@@ -3881,7 +3881,7 @@
                   <a:srgbClr val="FF0000"/>
                 </a:solidFill>
               </a:rPr>
-              <a:t>3</a:t>
+              <a:t>4</a:t>
             </a:r>
             <a:endParaRPr lang="en-US" sz="4400" dirty="0">
               <a:solidFill>
